--- a/docs/Call for Code 2020 COVID-19_cOptimism.pptx
+++ b/docs/Call for Code 2020 COVID-19_cOptimism.pptx
@@ -7,10 +7,10 @@
     <p:sldMasterId id="2147483724" r:id="rId3"/>
   </p:sldMasterIdLst>
   <p:notesMasterIdLst>
-    <p:notesMasterId r:id="rId19"/>
+    <p:notesMasterId r:id="rId18"/>
   </p:notesMasterIdLst>
   <p:handoutMasterIdLst>
-    <p:handoutMasterId r:id="rId20"/>
+    <p:handoutMasterId r:id="rId19"/>
   </p:handoutMasterIdLst>
   <p:sldIdLst>
     <p:sldId id="336" r:id="rId4"/>
@@ -26,8 +26,7 @@
     <p:sldId id="5346" r:id="rId14"/>
     <p:sldId id="5347" r:id="rId15"/>
     <p:sldId id="5342" r:id="rId16"/>
-    <p:sldId id="5348" r:id="rId17"/>
-    <p:sldId id="5344" r:id="rId18"/>
+    <p:sldId id="5344" r:id="rId17"/>
   </p:sldIdLst>
   <p:sldSz cx="12192000" cy="6858000"/>
   <p:notesSz cx="6858000" cy="9144000"/>
@@ -1201,110 +1200,6 @@
             <a:fld id="{0A7CA97A-0638-E840-8C03-5D0B62C621A0}" type="slidenum">
               <a:rPr lang="en-US" smtClean="0"/>
               <a:t>14</a:t>
-            </a:fld>
-            <a:endParaRPr lang="en-US"/>
-          </a:p>
-        </p:txBody>
-      </p:sp>
-    </p:spTree>
-    <p:extLst>
-      <p:ext uri="{BB962C8B-B14F-4D97-AF65-F5344CB8AC3E}">
-        <p14:creationId xmlns:p14="http://schemas.microsoft.com/office/powerpoint/2010/main" val="3571620208"/>
-      </p:ext>
-    </p:extLst>
-  </p:cSld>
-  <p:clrMapOvr>
-    <a:masterClrMapping/>
-  </p:clrMapOvr>
-</p:notes>
-</file>
-
-<file path=ppt/notesSlides/notesSlide14.xml><?xml version="1.0" encoding="utf-8"?>
-<p:notes xmlns:a="http://schemas.openxmlformats.org/drawingml/2006/main" xmlns:r="http://schemas.openxmlformats.org/officeDocument/2006/relationships" xmlns:p="http://schemas.openxmlformats.org/presentationml/2006/main">
-  <p:cSld>
-    <p:spTree>
-      <p:nvGrpSpPr>
-        <p:cNvPr id="1" name=""/>
-        <p:cNvGrpSpPr/>
-        <p:nvPr/>
-      </p:nvGrpSpPr>
-      <p:grpSpPr>
-        <a:xfrm>
-          <a:off x="0" y="0"/>
-          <a:ext cx="0" cy="0"/>
-          <a:chOff x="0" y="0"/>
-          <a:chExt cx="0" cy="0"/>
-        </a:xfrm>
-      </p:grpSpPr>
-      <p:sp>
-        <p:nvSpPr>
-          <p:cNvPr id="2" name="Slide Image Placeholder 1"/>
-          <p:cNvSpPr>
-            <a:spLocks noGrp="1" noRot="1" noChangeAspect="1"/>
-          </p:cNvSpPr>
-          <p:nvPr>
-            <p:ph type="sldImg"/>
-          </p:nvPr>
-        </p:nvSpPr>
-        <p:spPr/>
-      </p:sp>
-      <p:sp>
-        <p:nvSpPr>
-          <p:cNvPr id="3" name="Notes Placeholder 2"/>
-          <p:cNvSpPr>
-            <a:spLocks noGrp="1"/>
-          </p:cNvSpPr>
-          <p:nvPr>
-            <p:ph type="body" idx="1"/>
-          </p:nvPr>
-        </p:nvSpPr>
-        <p:spPr/>
-        <p:txBody>
-          <a:bodyPr/>
-          <a:lstStyle/>
-          <a:p>
-            <a:pPr marL="171450" marR="0" lvl="0" indent="-171450" algn="l" defTabSz="914400" rtl="0" eaLnBrk="1" fontAlgn="auto" latinLnBrk="0" hangingPunct="1">
-              <a:lnSpc>
-                <a:spcPct val="100000"/>
-              </a:lnSpc>
-              <a:spcBef>
-                <a:spcPts val="0"/>
-              </a:spcBef>
-              <a:spcAft>
-                <a:spcPts val="0"/>
-              </a:spcAft>
-              <a:buClrTx/>
-              <a:buSzTx/>
-              <a:buFont typeface="Arial" panose="020B0604020202020204" pitchFamily="34" charset="0"/>
-              <a:buChar char="•"/>
-              <a:tabLst/>
-              <a:defRPr/>
-            </a:pPr>
-            <a:r>
-              <a:rPr lang="en-US" sz="1200" dirty="0"/>
-              <a:t>Add GIT link</a:t>
-            </a:r>
-          </a:p>
-        </p:txBody>
-      </p:sp>
-      <p:sp>
-        <p:nvSpPr>
-          <p:cNvPr id="4" name="Slide Number Placeholder 3"/>
-          <p:cNvSpPr>
-            <a:spLocks noGrp="1"/>
-          </p:cNvSpPr>
-          <p:nvPr>
-            <p:ph type="sldNum" sz="quarter" idx="5"/>
-          </p:nvPr>
-        </p:nvSpPr>
-        <p:spPr/>
-        <p:txBody>
-          <a:bodyPr/>
-          <a:lstStyle/>
-          <a:p>
-            <a:fld id="{0A7CA97A-0638-E840-8C03-5D0B62C621A0}" type="slidenum">
-              <a:rPr lang="en-US" smtClean="0"/>
-              <a:t>15</a:t>
             </a:fld>
             <a:endParaRPr lang="en-US"/>
           </a:p>
@@ -19833,741 +19728,7 @@
                   <a:srgbClr val="4E6395"/>
                 </a:solidFill>
               </a:rPr>
-              <a:t>RECOMMENDED RESOURCES</a:t>
-            </a:r>
-          </a:p>
-        </p:txBody>
-      </p:sp>
-      <p:sp>
-        <p:nvSpPr>
-          <p:cNvPr id="4" name="Text Placeholder 4">
-            <a:extLst>
-              <a:ext uri="{FF2B5EF4-FFF2-40B4-BE49-F238E27FC236}">
-                <a16:creationId xmlns:a16="http://schemas.microsoft.com/office/drawing/2014/main" id="{165EF9C2-02BA-D349-82FD-069D5EF42ED0}"/>
-              </a:ext>
-            </a:extLst>
-          </p:cNvPr>
-          <p:cNvSpPr txBox="1">
-            <a:spLocks/>
-          </p:cNvSpPr>
-          <p:nvPr/>
-        </p:nvSpPr>
-        <p:spPr>
-          <a:xfrm>
-            <a:off x="517878" y="2093976"/>
-            <a:ext cx="11156671" cy="4237859"/>
-          </a:xfrm>
-          <a:prstGeom prst="rect">
-            <a:avLst/>
-          </a:prstGeom>
-        </p:spPr>
-        <p:txBody>
-          <a:bodyPr vert="horz" lIns="0" tIns="0" rIns="0" bIns="0" rtlCol="0">
-            <a:noAutofit/>
-          </a:bodyPr>
-          <a:lstStyle>
-            <a:lvl1pPr marL="0" indent="0" algn="l" rtl="0" eaLnBrk="1" fontAlgn="base" hangingPunct="1">
-              <a:lnSpc>
-                <a:spcPts val="1600"/>
-              </a:lnSpc>
-              <a:spcBef>
-                <a:spcPts val="0"/>
-              </a:spcBef>
-              <a:spcAft>
-                <a:spcPts val="600"/>
-              </a:spcAft>
-              <a:buClr>
-                <a:schemeClr val="tx1"/>
-              </a:buClr>
-              <a:buSzPct val="90000"/>
-              <a:buFont typeface="Wingdings" pitchFamily="2" charset="2"/>
-              <a:buNone/>
-              <a:defRPr sz="1200">
-                <a:solidFill>
-                  <a:schemeClr val="tx1"/>
-                </a:solidFill>
-                <a:latin typeface="IBM Plex Sans" charset="0"/>
-                <a:ea typeface="IBM Plex Sans" charset="0"/>
-                <a:cs typeface="IBM Plex Sans" charset="0"/>
-              </a:defRPr>
-            </a:lvl1pPr>
-            <a:lvl2pPr marL="171450" indent="-171450" algn="l" rtl="0" eaLnBrk="1" fontAlgn="base" hangingPunct="1">
-              <a:lnSpc>
-                <a:spcPts val="1600"/>
-              </a:lnSpc>
-              <a:spcBef>
-                <a:spcPts val="0"/>
-              </a:spcBef>
-              <a:spcAft>
-                <a:spcPts val="600"/>
-              </a:spcAft>
-              <a:buClr>
-                <a:schemeClr val="tx1"/>
-              </a:buClr>
-              <a:buSzPct val="100000"/>
-              <a:buFont typeface=".AppleSystemUIFont" charset="-120"/>
-              <a:buChar char="–"/>
-              <a:tabLst/>
-              <a:defRPr sz="1200">
-                <a:solidFill>
-                  <a:schemeClr val="tx1"/>
-                </a:solidFill>
-                <a:latin typeface="IBM Plex Sans" charset="0"/>
-                <a:ea typeface="IBM Plex Sans" charset="0"/>
-                <a:cs typeface="IBM Plex Sans" charset="0"/>
-              </a:defRPr>
-            </a:lvl2pPr>
-            <a:lvl3pPr marL="342900" indent="-141288" algn="l" rtl="0" eaLnBrk="1" fontAlgn="base" hangingPunct="1">
-              <a:lnSpc>
-                <a:spcPts val="1600"/>
-              </a:lnSpc>
-              <a:spcBef>
-                <a:spcPts val="0"/>
-              </a:spcBef>
-              <a:spcAft>
-                <a:spcPts val="600"/>
-              </a:spcAft>
-              <a:buClr>
-                <a:schemeClr val="tx1"/>
-              </a:buClr>
-              <a:buSzPct val="100000"/>
-              <a:buFont typeface="Arial" panose="020B0604020202020204" pitchFamily="34" charset="0"/>
-              <a:buChar char="•"/>
-              <a:tabLst/>
-              <a:defRPr sz="1200">
-                <a:solidFill>
-                  <a:schemeClr val="tx1"/>
-                </a:solidFill>
-                <a:latin typeface="IBM Plex Sans" charset="0"/>
-                <a:ea typeface="IBM Plex Sans" charset="0"/>
-                <a:cs typeface="IBM Plex Sans" charset="0"/>
-              </a:defRPr>
-            </a:lvl3pPr>
-            <a:lvl4pPr marL="628650" indent="-193675" algn="l" rtl="0" eaLnBrk="1" fontAlgn="base" hangingPunct="1">
-              <a:lnSpc>
-                <a:spcPts val="1600"/>
-              </a:lnSpc>
-              <a:spcBef>
-                <a:spcPts val="0"/>
-              </a:spcBef>
-              <a:spcAft>
-                <a:spcPts val="600"/>
-              </a:spcAft>
-              <a:buClr>
-                <a:schemeClr val="tx1"/>
-              </a:buClr>
-              <a:buSzPct val="100000"/>
-              <a:buFont typeface=".AppleSystemUIFont" charset="-120"/>
-              <a:buChar char="–"/>
-              <a:tabLst/>
-              <a:defRPr sz="1200" baseline="0">
-                <a:solidFill>
-                  <a:schemeClr val="tx1"/>
-                </a:solidFill>
-                <a:latin typeface="IBM Plex Sans" charset="0"/>
-                <a:ea typeface="IBM Plex Sans" charset="0"/>
-                <a:cs typeface="IBM Plex Sans" charset="0"/>
-              </a:defRPr>
-            </a:lvl4pPr>
-            <a:lvl5pPr marL="803275" indent="-171450" algn="l" rtl="0" eaLnBrk="1" fontAlgn="base" hangingPunct="1">
-              <a:lnSpc>
-                <a:spcPts val="1600"/>
-              </a:lnSpc>
-              <a:spcBef>
-                <a:spcPts val="0"/>
-              </a:spcBef>
-              <a:spcAft>
-                <a:spcPts val="600"/>
-              </a:spcAft>
-              <a:buClr>
-                <a:schemeClr val="tx1"/>
-              </a:buClr>
-              <a:buFont typeface=".AppleSystemUIFont" charset="-120"/>
-              <a:buChar char="»"/>
-              <a:tabLst/>
-              <a:defRPr sz="1200">
-                <a:solidFill>
-                  <a:schemeClr val="tx1"/>
-                </a:solidFill>
-                <a:latin typeface="IBM Plex Sans" charset="0"/>
-                <a:ea typeface="IBM Plex Sans" charset="0"/>
-                <a:cs typeface="IBM Plex Sans" charset="0"/>
-              </a:defRPr>
-            </a:lvl5pPr>
-            <a:lvl6pPr marL="1583701" indent="-129668" algn="l" rtl="0" eaLnBrk="1" fontAlgn="base" hangingPunct="1">
-              <a:spcBef>
-                <a:spcPct val="20000"/>
-              </a:spcBef>
-              <a:spcAft>
-                <a:spcPct val="0"/>
-              </a:spcAft>
-              <a:buClr>
-                <a:schemeClr val="bg1"/>
-              </a:buClr>
-              <a:buChar char="»"/>
-              <a:defRPr sz="1269">
-                <a:solidFill>
-                  <a:schemeClr val="bg1"/>
-                </a:solidFill>
-                <a:latin typeface="Arial" charset="0"/>
-              </a:defRPr>
-            </a:lvl6pPr>
-            <a:lvl7pPr marL="1946266" indent="-129668" algn="l" rtl="0" eaLnBrk="1" fontAlgn="base" hangingPunct="1">
-              <a:spcBef>
-                <a:spcPct val="20000"/>
-              </a:spcBef>
-              <a:spcAft>
-                <a:spcPct val="0"/>
-              </a:spcAft>
-              <a:buClr>
-                <a:schemeClr val="bg1"/>
-              </a:buClr>
-              <a:buChar char="»"/>
-              <a:defRPr sz="1269">
-                <a:solidFill>
-                  <a:schemeClr val="bg1"/>
-                </a:solidFill>
-                <a:latin typeface="Arial" charset="0"/>
-              </a:defRPr>
-            </a:lvl7pPr>
-            <a:lvl8pPr marL="2308831" indent="-129668" algn="l" rtl="0" eaLnBrk="1" fontAlgn="base" hangingPunct="1">
-              <a:spcBef>
-                <a:spcPct val="20000"/>
-              </a:spcBef>
-              <a:spcAft>
-                <a:spcPct val="0"/>
-              </a:spcAft>
-              <a:buClr>
-                <a:schemeClr val="bg1"/>
-              </a:buClr>
-              <a:buChar char="»"/>
-              <a:defRPr sz="1269">
-                <a:solidFill>
-                  <a:schemeClr val="bg1"/>
-                </a:solidFill>
-                <a:latin typeface="Arial" charset="0"/>
-              </a:defRPr>
-            </a:lvl8pPr>
-            <a:lvl9pPr marL="2671396" indent="-129668" algn="l" rtl="0" eaLnBrk="1" fontAlgn="base" hangingPunct="1">
-              <a:spcBef>
-                <a:spcPct val="20000"/>
-              </a:spcBef>
-              <a:spcAft>
-                <a:spcPct val="0"/>
-              </a:spcAft>
-              <a:buClr>
-                <a:schemeClr val="bg1"/>
-              </a:buClr>
-              <a:buChar char="»"/>
-              <a:defRPr sz="1269">
-                <a:solidFill>
-                  <a:schemeClr val="bg1"/>
-                </a:solidFill>
-                <a:latin typeface="Arial" charset="0"/>
-              </a:defRPr>
-            </a:lvl9pPr>
-          </a:lstStyle>
-          <a:p>
-            <a:pPr defTabSz="1219170">
-              <a:lnSpc>
-                <a:spcPct val="100000"/>
-              </a:lnSpc>
-            </a:pPr>
-            <a:endParaRPr lang="en-US" sz="1800" dirty="0"/>
-          </a:p>
-        </p:txBody>
-      </p:sp>
-      <p:pic>
-        <p:nvPicPr>
-          <p:cNvPr id="2" name="Picture 1">
-            <a:extLst>
-              <a:ext uri="{FF2B5EF4-FFF2-40B4-BE49-F238E27FC236}">
-                <a16:creationId xmlns:a16="http://schemas.microsoft.com/office/drawing/2014/main" id="{6981867D-36FF-4A72-B3BB-610FDF3BC6A1}"/>
-              </a:ext>
-            </a:extLst>
-          </p:cNvPr>
-          <p:cNvPicPr>
-            <a:picLocks noChangeAspect="1"/>
-          </p:cNvPicPr>
-          <p:nvPr/>
-        </p:nvPicPr>
-        <p:blipFill>
-          <a:blip r:embed="rId3"/>
-          <a:stretch>
-            <a:fillRect/>
-          </a:stretch>
-        </p:blipFill>
-        <p:spPr>
-          <a:xfrm>
-            <a:off x="11452664" y="135125"/>
-            <a:ext cx="657225" cy="561975"/>
-          </a:xfrm>
-          <a:prstGeom prst="rect">
-            <a:avLst/>
-          </a:prstGeom>
-        </p:spPr>
-      </p:pic>
-      <p:sp>
-        <p:nvSpPr>
-          <p:cNvPr id="8" name="Text Placeholder 4">
-            <a:extLst>
-              <a:ext uri="{FF2B5EF4-FFF2-40B4-BE49-F238E27FC236}">
-                <a16:creationId xmlns:a16="http://schemas.microsoft.com/office/drawing/2014/main" id="{5E9583E8-2F85-49F1-9E4B-25C77FC2F964}"/>
-              </a:ext>
-            </a:extLst>
-          </p:cNvPr>
-          <p:cNvSpPr txBox="1">
-            <a:spLocks/>
-          </p:cNvSpPr>
-          <p:nvPr/>
-        </p:nvSpPr>
-        <p:spPr>
-          <a:xfrm>
-            <a:off x="517451" y="1957618"/>
-            <a:ext cx="11156671" cy="4237859"/>
-          </a:xfrm>
-          <a:prstGeom prst="rect">
-            <a:avLst/>
-          </a:prstGeom>
-        </p:spPr>
-        <p:txBody>
-          <a:bodyPr vert="horz" lIns="0" tIns="0" rIns="0" bIns="0" rtlCol="0">
-            <a:noAutofit/>
-          </a:bodyPr>
-          <a:lstStyle>
-            <a:lvl1pPr marL="0" indent="0" algn="l" rtl="0" eaLnBrk="1" fontAlgn="base" hangingPunct="1">
-              <a:lnSpc>
-                <a:spcPts val="1600"/>
-              </a:lnSpc>
-              <a:spcBef>
-                <a:spcPts val="0"/>
-              </a:spcBef>
-              <a:spcAft>
-                <a:spcPts val="600"/>
-              </a:spcAft>
-              <a:buClr>
-                <a:schemeClr val="tx1"/>
-              </a:buClr>
-              <a:buSzPct val="90000"/>
-              <a:buFont typeface="Wingdings" pitchFamily="2" charset="2"/>
-              <a:buNone/>
-              <a:defRPr sz="1200">
-                <a:solidFill>
-                  <a:schemeClr val="tx1"/>
-                </a:solidFill>
-                <a:latin typeface="IBM Plex Sans" charset="0"/>
-                <a:ea typeface="IBM Plex Sans" charset="0"/>
-                <a:cs typeface="IBM Plex Sans" charset="0"/>
-              </a:defRPr>
-            </a:lvl1pPr>
-            <a:lvl2pPr marL="171450" indent="-171450" algn="l" rtl="0" eaLnBrk="1" fontAlgn="base" hangingPunct="1">
-              <a:lnSpc>
-                <a:spcPts val="1600"/>
-              </a:lnSpc>
-              <a:spcBef>
-                <a:spcPts val="0"/>
-              </a:spcBef>
-              <a:spcAft>
-                <a:spcPts val="600"/>
-              </a:spcAft>
-              <a:buClr>
-                <a:schemeClr val="tx1"/>
-              </a:buClr>
-              <a:buSzPct val="100000"/>
-              <a:buFont typeface=".AppleSystemUIFont" charset="-120"/>
-              <a:buChar char="–"/>
-              <a:tabLst/>
-              <a:defRPr sz="1200">
-                <a:solidFill>
-                  <a:schemeClr val="tx1"/>
-                </a:solidFill>
-                <a:latin typeface="IBM Plex Sans" charset="0"/>
-                <a:ea typeface="IBM Plex Sans" charset="0"/>
-                <a:cs typeface="IBM Plex Sans" charset="0"/>
-              </a:defRPr>
-            </a:lvl2pPr>
-            <a:lvl3pPr marL="342900" indent="-141288" algn="l" rtl="0" eaLnBrk="1" fontAlgn="base" hangingPunct="1">
-              <a:lnSpc>
-                <a:spcPts val="1600"/>
-              </a:lnSpc>
-              <a:spcBef>
-                <a:spcPts val="0"/>
-              </a:spcBef>
-              <a:spcAft>
-                <a:spcPts val="600"/>
-              </a:spcAft>
-              <a:buClr>
-                <a:schemeClr val="tx1"/>
-              </a:buClr>
-              <a:buSzPct val="100000"/>
-              <a:buFont typeface="Arial" panose="020B0604020202020204" pitchFamily="34" charset="0"/>
-              <a:buChar char="•"/>
-              <a:tabLst/>
-              <a:defRPr sz="1200">
-                <a:solidFill>
-                  <a:schemeClr val="tx1"/>
-                </a:solidFill>
-                <a:latin typeface="IBM Plex Sans" charset="0"/>
-                <a:ea typeface="IBM Plex Sans" charset="0"/>
-                <a:cs typeface="IBM Plex Sans" charset="0"/>
-              </a:defRPr>
-            </a:lvl3pPr>
-            <a:lvl4pPr marL="628650" indent="-193675" algn="l" rtl="0" eaLnBrk="1" fontAlgn="base" hangingPunct="1">
-              <a:lnSpc>
-                <a:spcPts val="1600"/>
-              </a:lnSpc>
-              <a:spcBef>
-                <a:spcPts val="0"/>
-              </a:spcBef>
-              <a:spcAft>
-                <a:spcPts val="600"/>
-              </a:spcAft>
-              <a:buClr>
-                <a:schemeClr val="tx1"/>
-              </a:buClr>
-              <a:buSzPct val="100000"/>
-              <a:buFont typeface=".AppleSystemUIFont" charset="-120"/>
-              <a:buChar char="–"/>
-              <a:tabLst/>
-              <a:defRPr sz="1200" baseline="0">
-                <a:solidFill>
-                  <a:schemeClr val="tx1"/>
-                </a:solidFill>
-                <a:latin typeface="IBM Plex Sans" charset="0"/>
-                <a:ea typeface="IBM Plex Sans" charset="0"/>
-                <a:cs typeface="IBM Plex Sans" charset="0"/>
-              </a:defRPr>
-            </a:lvl4pPr>
-            <a:lvl5pPr marL="803275" indent="-171450" algn="l" rtl="0" eaLnBrk="1" fontAlgn="base" hangingPunct="1">
-              <a:lnSpc>
-                <a:spcPts val="1600"/>
-              </a:lnSpc>
-              <a:spcBef>
-                <a:spcPts val="0"/>
-              </a:spcBef>
-              <a:spcAft>
-                <a:spcPts val="600"/>
-              </a:spcAft>
-              <a:buClr>
-                <a:schemeClr val="tx1"/>
-              </a:buClr>
-              <a:buFont typeface=".AppleSystemUIFont" charset="-120"/>
-              <a:buChar char="»"/>
-              <a:tabLst/>
-              <a:defRPr sz="1200">
-                <a:solidFill>
-                  <a:schemeClr val="tx1"/>
-                </a:solidFill>
-                <a:latin typeface="IBM Plex Sans" charset="0"/>
-                <a:ea typeface="IBM Plex Sans" charset="0"/>
-                <a:cs typeface="IBM Plex Sans" charset="0"/>
-              </a:defRPr>
-            </a:lvl5pPr>
-            <a:lvl6pPr marL="1583701" indent="-129668" algn="l" rtl="0" eaLnBrk="1" fontAlgn="base" hangingPunct="1">
-              <a:spcBef>
-                <a:spcPct val="20000"/>
-              </a:spcBef>
-              <a:spcAft>
-                <a:spcPct val="0"/>
-              </a:spcAft>
-              <a:buClr>
-                <a:schemeClr val="bg1"/>
-              </a:buClr>
-              <a:buChar char="»"/>
-              <a:defRPr sz="1269">
-                <a:solidFill>
-                  <a:schemeClr val="bg1"/>
-                </a:solidFill>
-                <a:latin typeface="Arial" charset="0"/>
-              </a:defRPr>
-            </a:lvl6pPr>
-            <a:lvl7pPr marL="1946266" indent="-129668" algn="l" rtl="0" eaLnBrk="1" fontAlgn="base" hangingPunct="1">
-              <a:spcBef>
-                <a:spcPct val="20000"/>
-              </a:spcBef>
-              <a:spcAft>
-                <a:spcPct val="0"/>
-              </a:spcAft>
-              <a:buClr>
-                <a:schemeClr val="bg1"/>
-              </a:buClr>
-              <a:buChar char="»"/>
-              <a:defRPr sz="1269">
-                <a:solidFill>
-                  <a:schemeClr val="bg1"/>
-                </a:solidFill>
-                <a:latin typeface="Arial" charset="0"/>
-              </a:defRPr>
-            </a:lvl7pPr>
-            <a:lvl8pPr marL="2308831" indent="-129668" algn="l" rtl="0" eaLnBrk="1" fontAlgn="base" hangingPunct="1">
-              <a:spcBef>
-                <a:spcPct val="20000"/>
-              </a:spcBef>
-              <a:spcAft>
-                <a:spcPct val="0"/>
-              </a:spcAft>
-              <a:buClr>
-                <a:schemeClr val="bg1"/>
-              </a:buClr>
-              <a:buChar char="»"/>
-              <a:defRPr sz="1269">
-                <a:solidFill>
-                  <a:schemeClr val="bg1"/>
-                </a:solidFill>
-                <a:latin typeface="Arial" charset="0"/>
-              </a:defRPr>
-            </a:lvl8pPr>
-            <a:lvl9pPr marL="2671396" indent="-129668" algn="l" rtl="0" eaLnBrk="1" fontAlgn="base" hangingPunct="1">
-              <a:spcBef>
-                <a:spcPct val="20000"/>
-              </a:spcBef>
-              <a:spcAft>
-                <a:spcPct val="0"/>
-              </a:spcAft>
-              <a:buClr>
-                <a:schemeClr val="bg1"/>
-              </a:buClr>
-              <a:buChar char="»"/>
-              <a:defRPr sz="1269">
-                <a:solidFill>
-                  <a:schemeClr val="bg1"/>
-                </a:solidFill>
-                <a:latin typeface="Arial" charset="0"/>
-              </a:defRPr>
-            </a:lvl9pPr>
-          </a:lstStyle>
-          <a:p>
-            <a:pPr defTabSz="1219170">
-              <a:lnSpc>
-                <a:spcPct val="100000"/>
-              </a:lnSpc>
-            </a:pPr>
-            <a:r>
-              <a:rPr lang="en-US" sz="1800" b="1" dirty="0"/>
-              <a:t>Documents</a:t>
-            </a:r>
-            <a:endParaRPr lang="en-US" sz="1800" dirty="0"/>
-          </a:p>
-          <a:p>
-            <a:pPr marL="285750" indent="-285750" defTabSz="1219170">
-              <a:lnSpc>
-                <a:spcPct val="100000"/>
-              </a:lnSpc>
-              <a:buFont typeface="Arial" panose="020B0604020202020204" pitchFamily="34" charset="0"/>
-              <a:buChar char="•"/>
-            </a:pPr>
-            <a:r>
-              <a:rPr lang="en-US" sz="1800" dirty="0"/>
-              <a:t>1</a:t>
-            </a:r>
-          </a:p>
-          <a:p>
-            <a:pPr marL="285750" indent="-285750" defTabSz="1219170">
-              <a:lnSpc>
-                <a:spcPct val="100000"/>
-              </a:lnSpc>
-              <a:buFont typeface="Arial" panose="020B0604020202020204" pitchFamily="34" charset="0"/>
-              <a:buChar char="•"/>
-            </a:pPr>
-            <a:r>
-              <a:rPr lang="en-US" sz="1800" dirty="0"/>
-              <a:t>2</a:t>
-            </a:r>
-          </a:p>
-          <a:p>
-            <a:pPr marL="285750" indent="-285750" defTabSz="1219170">
-              <a:lnSpc>
-                <a:spcPct val="100000"/>
-              </a:lnSpc>
-              <a:buFont typeface="Arial" panose="020B0604020202020204" pitchFamily="34" charset="0"/>
-              <a:buChar char="•"/>
-            </a:pPr>
-            <a:endParaRPr lang="en-US" sz="1800" dirty="0"/>
-          </a:p>
-          <a:p>
-            <a:pPr defTabSz="1219170">
-              <a:lnSpc>
-                <a:spcPct val="100000"/>
-              </a:lnSpc>
-            </a:pPr>
-            <a:r>
-              <a:rPr lang="en-US" sz="1800" b="1" dirty="0"/>
-              <a:t>Data sets</a:t>
-            </a:r>
-            <a:endParaRPr lang="en-US" sz="1800" dirty="0"/>
-          </a:p>
-          <a:p>
-            <a:pPr marL="285750" indent="-285750" defTabSz="1219170">
-              <a:lnSpc>
-                <a:spcPct val="100000"/>
-              </a:lnSpc>
-              <a:buFont typeface="Arial" panose="020B0604020202020204" pitchFamily="34" charset="0"/>
-              <a:buChar char="•"/>
-            </a:pPr>
-            <a:r>
-              <a:rPr lang="en-US" sz="1800" dirty="0"/>
-              <a:t>1</a:t>
-            </a:r>
-          </a:p>
-          <a:p>
-            <a:pPr marL="285750" indent="-285750" defTabSz="1219170">
-              <a:lnSpc>
-                <a:spcPct val="100000"/>
-              </a:lnSpc>
-              <a:buFont typeface="Arial" panose="020B0604020202020204" pitchFamily="34" charset="0"/>
-              <a:buChar char="•"/>
-            </a:pPr>
-            <a:r>
-              <a:rPr lang="en-US" sz="1800" dirty="0"/>
-              <a:t>2</a:t>
-            </a:r>
-          </a:p>
-          <a:p>
-            <a:pPr defTabSz="1219170">
-              <a:lnSpc>
-                <a:spcPct val="100000"/>
-              </a:lnSpc>
-            </a:pPr>
-            <a:endParaRPr lang="en-US" sz="1800" dirty="0"/>
-          </a:p>
-          <a:p>
-            <a:pPr defTabSz="1219170">
-              <a:lnSpc>
-                <a:spcPct val="100000"/>
-              </a:lnSpc>
-            </a:pPr>
-            <a:r>
-              <a:rPr lang="en-US" sz="1800" b="1" dirty="0"/>
-              <a:t>Opinion pieces</a:t>
-            </a:r>
-            <a:endParaRPr lang="en-US" sz="1800" dirty="0"/>
-          </a:p>
-          <a:p>
-            <a:pPr marL="285750" indent="-285750" defTabSz="1219170">
-              <a:lnSpc>
-                <a:spcPct val="100000"/>
-              </a:lnSpc>
-              <a:buFont typeface="Arial" panose="020B0604020202020204" pitchFamily="34" charset="0"/>
-              <a:buChar char="•"/>
-            </a:pPr>
-            <a:r>
-              <a:rPr lang="en-US" sz="1800" dirty="0"/>
-              <a:t>1</a:t>
-            </a:r>
-          </a:p>
-          <a:p>
-            <a:pPr marL="285750" indent="-285750" defTabSz="1219170">
-              <a:lnSpc>
-                <a:spcPct val="100000"/>
-              </a:lnSpc>
-              <a:buFont typeface="Arial" panose="020B0604020202020204" pitchFamily="34" charset="0"/>
-              <a:buChar char="•"/>
-            </a:pPr>
-            <a:r>
-              <a:rPr lang="en-US" sz="1800" dirty="0"/>
-              <a:t>2</a:t>
-            </a:r>
-          </a:p>
-        </p:txBody>
-      </p:sp>
-      <p:pic>
-        <p:nvPicPr>
-          <p:cNvPr id="9" name="Picture 8" descr="A close up of a logo&#10;&#10;Description automatically generated">
-            <a:extLst>
-              <a:ext uri="{FF2B5EF4-FFF2-40B4-BE49-F238E27FC236}">
-                <a16:creationId xmlns:a16="http://schemas.microsoft.com/office/drawing/2014/main" id="{C6EE6A4B-4F63-4C6D-B57F-491873A0CCD5}"/>
-              </a:ext>
-            </a:extLst>
-          </p:cNvPr>
-          <p:cNvPicPr>
-            <a:picLocks noChangeAspect="1"/>
-          </p:cNvPicPr>
-          <p:nvPr/>
-        </p:nvPicPr>
-        <p:blipFill rotWithShape="1">
-          <a:blip r:embed="rId4" cstate="screen">
-            <a:extLst>
-              <a:ext uri="{28A0092B-C50C-407E-A947-70E740481C1C}">
-                <a14:useLocalDpi xmlns:a14="http://schemas.microsoft.com/office/drawing/2010/main"/>
-              </a:ext>
-            </a:extLst>
-          </a:blip>
-          <a:srcRect/>
-          <a:stretch/>
-        </p:blipFill>
-        <p:spPr>
-          <a:xfrm>
-            <a:off x="393187" y="233451"/>
-            <a:ext cx="1247686" cy="929266"/>
-          </a:xfrm>
-          <a:prstGeom prst="rect">
-            <a:avLst/>
-          </a:prstGeom>
-        </p:spPr>
-      </p:pic>
-    </p:spTree>
-    <p:extLst>
-      <p:ext uri="{BB962C8B-B14F-4D97-AF65-F5344CB8AC3E}">
-        <p14:creationId xmlns:p14="http://schemas.microsoft.com/office/powerpoint/2010/main" val="3654095826"/>
-      </p:ext>
-    </p:extLst>
-  </p:cSld>
-  <p:clrMapOvr>
-    <a:masterClrMapping/>
-  </p:clrMapOvr>
-</p:sld>
-</file>
-
-<file path=ppt/slides/slide15.xml><?xml version="1.0" encoding="utf-8"?>
-<p:sld xmlns:a="http://schemas.openxmlformats.org/drawingml/2006/main" xmlns:r="http://schemas.openxmlformats.org/officeDocument/2006/relationships" xmlns:p="http://schemas.openxmlformats.org/presentationml/2006/main">
-  <p:cSld>
-    <p:spTree>
-      <p:nvGrpSpPr>
-        <p:cNvPr id="1" name=""/>
-        <p:cNvGrpSpPr/>
-        <p:nvPr/>
-      </p:nvGrpSpPr>
-      <p:grpSpPr>
-        <a:xfrm>
-          <a:off x="0" y="0"/>
-          <a:ext cx="0" cy="0"/>
-          <a:chOff x="0" y="0"/>
-          <a:chExt cx="0" cy="0"/>
-        </a:xfrm>
-      </p:grpSpPr>
-      <p:sp>
-        <p:nvSpPr>
-          <p:cNvPr id="7" name="Title 1">
-            <a:extLst>
-              <a:ext uri="{FF2B5EF4-FFF2-40B4-BE49-F238E27FC236}">
-                <a16:creationId xmlns:a16="http://schemas.microsoft.com/office/drawing/2014/main" id="{2A1BD5B8-B7D6-5641-9006-64D38BB7702D}"/>
-              </a:ext>
-            </a:extLst>
-          </p:cNvPr>
-          <p:cNvSpPr>
-            <a:spLocks noGrp="1"/>
-          </p:cNvSpPr>
-          <p:nvPr>
-            <p:ph type="title"/>
-          </p:nvPr>
-        </p:nvSpPr>
-        <p:spPr>
-          <a:xfrm>
-            <a:off x="3297563" y="524398"/>
-            <a:ext cx="8143069" cy="638319"/>
-          </a:xfrm>
-        </p:spPr>
-        <p:txBody>
-          <a:bodyPr/>
-          <a:lstStyle/>
-          <a:p>
-            <a:r>
-              <a:rPr lang="en-US" sz="4400" b="1" dirty="0">
-                <a:solidFill>
-                  <a:srgbClr val="4E6395"/>
-                </a:solidFill>
-              </a:rPr>
-              <a:t>Short Video (2-3 minutes)</a:t>
+              <a:t>Short Video (2-3 minutes)/Code</a:t>
             </a:r>
           </a:p>
         </p:txBody>
@@ -20921,7 +20082,7 @@
         <p:spPr>
           <a:xfrm>
             <a:off x="1181100" y="2197100"/>
-            <a:ext cx="6832600" cy="369332"/>
+            <a:ext cx="6832600" cy="3416320"/>
           </a:xfrm>
           <a:prstGeom prst="rect">
             <a:avLst/>
@@ -20935,9 +20096,81 @@
           <a:lstStyle/>
           <a:p>
             <a:r>
+              <a:rPr lang="en-US" dirty="0" err="1">
+                <a:hlinkClick r:id="rId6"/>
+              </a:rPr>
+              <a:t>Youtube</a:t>
+            </a:r>
+            <a:r>
+              <a:rPr lang="en-US" dirty="0">
+                <a:hlinkClick r:id="rId6"/>
+              </a:rPr>
+              <a:t>:</a:t>
+            </a:r>
+          </a:p>
+          <a:p>
+            <a:r>
+              <a:rPr lang="en-US" dirty="0">
+                <a:hlinkClick r:id="rId6"/>
+              </a:rPr>
+              <a:t>https://www.youtube.com/watch?v=XvC1x9Oha3U&amp;list=PLJZ7tzQf5MniXdkKLFV9uJWJue-XD4dlz</a:t>
+            </a:r>
+            <a:br>
               <a:rPr lang="en-US" dirty="0"/>
-              <a:t>Share your link here</a:t>
-            </a:r>
+            </a:br>
+            <a:br>
+              <a:rPr lang="en-US" dirty="0"/>
+            </a:br>
+            <a:r>
+              <a:rPr lang="en-US" u="sng" dirty="0">
+                <a:hlinkClick r:id="rId7"/>
+              </a:rPr>
+              <a:t>https://youtu.be/XvC1x9Oha3U</a:t>
+            </a:r>
+            <a:endParaRPr lang="en-US" u="sng" dirty="0"/>
+          </a:p>
+          <a:p>
+            <a:endParaRPr lang="en-US" dirty="0"/>
+          </a:p>
+          <a:p>
+            <a:endParaRPr lang="en-US" dirty="0"/>
+          </a:p>
+          <a:p>
+            <a:r>
+              <a:rPr lang="en-US" dirty="0" err="1"/>
+              <a:t>Github</a:t>
+            </a:r>
+            <a:r>
+              <a:rPr lang="en-US" dirty="0"/>
+              <a:t>:</a:t>
+            </a:r>
+          </a:p>
+          <a:p>
+            <a:r>
+              <a:rPr lang="en-US" dirty="0">
+                <a:hlinkClick r:id="rId8"/>
+              </a:rPr>
+              <a:t>https://github.com/patror-pstech/cOptimism-Call4Code2020-COVID19</a:t>
+            </a:r>
+            <a:endParaRPr lang="en-US" dirty="0"/>
+          </a:p>
+          <a:p>
+            <a:endParaRPr lang="en-US" dirty="0"/>
+          </a:p>
+          <a:p>
+            <a:r>
+              <a:rPr lang="en-US" dirty="0"/>
+              <a:t>App Box:</a:t>
+            </a:r>
+          </a:p>
+          <a:p>
+            <a:r>
+              <a:rPr lang="en-US" u="sng" dirty="0">
+                <a:hlinkClick r:id="rId9"/>
+              </a:rPr>
+              <a:t>https://app.box.com/s/rfefo5k79dbqg2cio499jn9r2j1ahv22</a:t>
+            </a:r>
+            <a:endParaRPr lang="en-US" dirty="0"/>
           </a:p>
         </p:txBody>
       </p:sp>
